--- a/docs/ppt/여러 구조 정리.pptx
+++ b/docs/ppt/여러 구조 정리.pptx
@@ -5,7 +5,7 @@
     <p:sldMasterId id="2147483669" r:id="rId1"/>
   </p:sldMasterIdLst>
   <p:notesMasterIdLst>
-    <p:notesMasterId r:id="rId15"/>
+    <p:notesMasterId r:id="rId16"/>
   </p:notesMasterIdLst>
   <p:sldIdLst>
     <p:sldId id="268" r:id="rId2"/>
@@ -17,10 +17,11 @@
     <p:sldId id="301" r:id="rId8"/>
     <p:sldId id="300" r:id="rId9"/>
     <p:sldId id="302" r:id="rId10"/>
-    <p:sldId id="291" r:id="rId11"/>
-    <p:sldId id="299" r:id="rId12"/>
-    <p:sldId id="298" r:id="rId13"/>
-    <p:sldId id="295" r:id="rId14"/>
+    <p:sldId id="303" r:id="rId11"/>
+    <p:sldId id="291" r:id="rId12"/>
+    <p:sldId id="299" r:id="rId13"/>
+    <p:sldId id="298" r:id="rId14"/>
+    <p:sldId id="295" r:id="rId15"/>
   </p:sldIdLst>
   <p:sldSz cx="9144000" cy="6858000" type="screen4x3"/>
   <p:notesSz cx="6858000" cy="9144000"/>
@@ -2447,6 +2448,248 @@
     </pc:docChg>
   </pc:docChgLst>
   <pc:docChgLst>
+    <pc:chgData name="차성훈" userId="0cbcdb81-68e1-4440-8144-1bec48c19f70" providerId="ADAL" clId="{AFC96262-002C-497E-9E90-57A633BD1B6C}"/>
+    <pc:docChg chg="undo custSel modSld">
+      <pc:chgData name="차성훈" userId="0cbcdb81-68e1-4440-8144-1bec48c19f70" providerId="ADAL" clId="{AFC96262-002C-497E-9E90-57A633BD1B6C}" dt="2023-08-16T16:42:09.768" v="12236" actId="20577"/>
+      <pc:docMkLst>
+        <pc:docMk/>
+      </pc:docMkLst>
+      <pc:sldChg chg="modNotesTx">
+        <pc:chgData name="차성훈" userId="0cbcdb81-68e1-4440-8144-1bec48c19f70" providerId="ADAL" clId="{AFC96262-002C-497E-9E90-57A633BD1B6C}" dt="2023-08-16T15:08:24.343" v="6285" actId="20577"/>
+        <pc:sldMkLst>
+          <pc:docMk/>
+          <pc:sldMk cId="1582720454" sldId="270"/>
+        </pc:sldMkLst>
+      </pc:sldChg>
+      <pc:sldChg chg="modNotesTx">
+        <pc:chgData name="차성훈" userId="0cbcdb81-68e1-4440-8144-1bec48c19f70" providerId="ADAL" clId="{AFC96262-002C-497E-9E90-57A633BD1B6C}" dt="2023-08-16T15:31:26.231" v="7354" actId="20577"/>
+        <pc:sldMkLst>
+          <pc:docMk/>
+          <pc:sldMk cId="3667149960" sldId="302"/>
+        </pc:sldMkLst>
+      </pc:sldChg>
+      <pc:sldChg chg="modNotesTx">
+        <pc:chgData name="차성훈" userId="0cbcdb81-68e1-4440-8144-1bec48c19f70" providerId="ADAL" clId="{AFC96262-002C-497E-9E90-57A633BD1B6C}" dt="2023-08-16T15:42:46.749" v="8392" actId="20577"/>
+        <pc:sldMkLst>
+          <pc:docMk/>
+          <pc:sldMk cId="2547576909" sldId="303"/>
+        </pc:sldMkLst>
+      </pc:sldChg>
+      <pc:sldChg chg="modNotesTx">
+        <pc:chgData name="차성훈" userId="0cbcdb81-68e1-4440-8144-1bec48c19f70" providerId="ADAL" clId="{AFC96262-002C-497E-9E90-57A633BD1B6C}" dt="2023-08-16T15:52:32.008" v="9203" actId="20577"/>
+        <pc:sldMkLst>
+          <pc:docMk/>
+          <pc:sldMk cId="1774799436" sldId="304"/>
+        </pc:sldMkLst>
+      </pc:sldChg>
+      <pc:sldChg chg="modSp mod">
+        <pc:chgData name="차성훈" userId="0cbcdb81-68e1-4440-8144-1bec48c19f70" providerId="ADAL" clId="{AFC96262-002C-497E-9E90-57A633BD1B6C}" dt="2023-08-16T15:54:18.701" v="9204" actId="20577"/>
+        <pc:sldMkLst>
+          <pc:docMk/>
+          <pc:sldMk cId="490219926" sldId="305"/>
+        </pc:sldMkLst>
+        <pc:spChg chg="mod">
+          <ac:chgData name="차성훈" userId="0cbcdb81-68e1-4440-8144-1bec48c19f70" providerId="ADAL" clId="{AFC96262-002C-497E-9E90-57A633BD1B6C}" dt="2023-08-16T15:54:18.701" v="9204" actId="20577"/>
+          <ac:spMkLst>
+            <pc:docMk/>
+            <pc:sldMk cId="490219926" sldId="305"/>
+            <ac:spMk id="12" creationId="{744D1BEC-D4B0-7B92-1929-4A1F0368703C}"/>
+          </ac:spMkLst>
+        </pc:spChg>
+      </pc:sldChg>
+      <pc:sldChg chg="modNotesTx">
+        <pc:chgData name="차성훈" userId="0cbcdb81-68e1-4440-8144-1bec48c19f70" providerId="ADAL" clId="{AFC96262-002C-497E-9E90-57A633BD1B6C}" dt="2023-08-16T16:11:45.923" v="10183" actId="20577"/>
+        <pc:sldMkLst>
+          <pc:docMk/>
+          <pc:sldMk cId="1686859578" sldId="306"/>
+        </pc:sldMkLst>
+      </pc:sldChg>
+      <pc:sldChg chg="modSp mod modNotesTx">
+        <pc:chgData name="차성훈" userId="0cbcdb81-68e1-4440-8144-1bec48c19f70" providerId="ADAL" clId="{AFC96262-002C-497E-9E90-57A633BD1B6C}" dt="2023-08-16T16:41:46.498" v="12223" actId="20577"/>
+        <pc:sldMkLst>
+          <pc:docMk/>
+          <pc:sldMk cId="3818250613" sldId="310"/>
+        </pc:sldMkLst>
+        <pc:spChg chg="mod">
+          <ac:chgData name="차성훈" userId="0cbcdb81-68e1-4440-8144-1bec48c19f70" providerId="ADAL" clId="{AFC96262-002C-497E-9E90-57A633BD1B6C}" dt="2023-08-16T13:34:25.361" v="932" actId="20577"/>
+          <ac:spMkLst>
+            <pc:docMk/>
+            <pc:sldMk cId="3818250613" sldId="310"/>
+            <ac:spMk id="12" creationId="{744D1BEC-D4B0-7B92-1929-4A1F0368703C}"/>
+          </ac:spMkLst>
+        </pc:spChg>
+        <pc:picChg chg="mod">
+          <ac:chgData name="차성훈" userId="0cbcdb81-68e1-4440-8144-1bec48c19f70" providerId="ADAL" clId="{AFC96262-002C-497E-9E90-57A633BD1B6C}" dt="2023-08-16T13:23:14.959" v="112" actId="1076"/>
+          <ac:picMkLst>
+            <pc:docMk/>
+            <pc:sldMk cId="3818250613" sldId="310"/>
+            <ac:picMk id="3" creationId="{FDC45488-7B04-EDF4-FDBB-D00F4B4C90F4}"/>
+          </ac:picMkLst>
+        </pc:picChg>
+      </pc:sldChg>
+      <pc:sldChg chg="modNotesTx">
+        <pc:chgData name="차성훈" userId="0cbcdb81-68e1-4440-8144-1bec48c19f70" providerId="ADAL" clId="{AFC96262-002C-497E-9E90-57A633BD1B6C}" dt="2023-08-16T15:46:19.676" v="8613" actId="20577"/>
+        <pc:sldMkLst>
+          <pc:docMk/>
+          <pc:sldMk cId="2381641860" sldId="322"/>
+        </pc:sldMkLst>
+      </pc:sldChg>
+      <pc:sldChg chg="modSp mod modNotesTx">
+        <pc:chgData name="차성훈" userId="0cbcdb81-68e1-4440-8144-1bec48c19f70" providerId="ADAL" clId="{AFC96262-002C-497E-9E90-57A633BD1B6C}" dt="2023-08-16T16:41:19.842" v="12217" actId="20577"/>
+        <pc:sldMkLst>
+          <pc:docMk/>
+          <pc:sldMk cId="1479481285" sldId="323"/>
+        </pc:sldMkLst>
+        <pc:spChg chg="mod">
+          <ac:chgData name="차성훈" userId="0cbcdb81-68e1-4440-8144-1bec48c19f70" providerId="ADAL" clId="{AFC96262-002C-497E-9E90-57A633BD1B6C}" dt="2023-08-16T16:38:22.675" v="11890" actId="20577"/>
+          <ac:spMkLst>
+            <pc:docMk/>
+            <pc:sldMk cId="1479481285" sldId="323"/>
+            <ac:spMk id="12" creationId="{744D1BEC-D4B0-7B92-1929-4A1F0368703C}"/>
+          </ac:spMkLst>
+        </pc:spChg>
+      </pc:sldChg>
+      <pc:sldChg chg="modSp modNotesTx">
+        <pc:chgData name="차성훈" userId="0cbcdb81-68e1-4440-8144-1bec48c19f70" providerId="ADAL" clId="{AFC96262-002C-497E-9E90-57A633BD1B6C}" dt="2023-08-16T16:26:01.968" v="10919" actId="20577"/>
+        <pc:sldMkLst>
+          <pc:docMk/>
+          <pc:sldMk cId="1132980631" sldId="324"/>
+        </pc:sldMkLst>
+        <pc:spChg chg="mod">
+          <ac:chgData name="차성훈" userId="0cbcdb81-68e1-4440-8144-1bec48c19f70" providerId="ADAL" clId="{AFC96262-002C-497E-9E90-57A633BD1B6C}" dt="2023-08-16T16:22:50.417" v="10621" actId="20577"/>
+          <ac:spMkLst>
+            <pc:docMk/>
+            <pc:sldMk cId="1132980631" sldId="324"/>
+            <ac:spMk id="12" creationId="{744D1BEC-D4B0-7B92-1929-4A1F0368703C}"/>
+          </ac:spMkLst>
+        </pc:spChg>
+      </pc:sldChg>
+      <pc:sldChg chg="delSp modSp mod modNotesTx">
+        <pc:chgData name="차성훈" userId="0cbcdb81-68e1-4440-8144-1bec48c19f70" providerId="ADAL" clId="{AFC96262-002C-497E-9E90-57A633BD1B6C}" dt="2023-08-16T16:41:55.463" v="12226" actId="20577"/>
+        <pc:sldMkLst>
+          <pc:docMk/>
+          <pc:sldMk cId="3722939314" sldId="325"/>
+        </pc:sldMkLst>
+        <pc:spChg chg="del">
+          <ac:chgData name="차성훈" userId="0cbcdb81-68e1-4440-8144-1bec48c19f70" providerId="ADAL" clId="{AFC96262-002C-497E-9E90-57A633BD1B6C}" dt="2023-08-16T14:00:01.840" v="2051" actId="478"/>
+          <ac:spMkLst>
+            <pc:docMk/>
+            <pc:sldMk cId="3722939314" sldId="325"/>
+            <ac:spMk id="12" creationId="{744D1BEC-D4B0-7B92-1929-4A1F0368703C}"/>
+          </ac:spMkLst>
+        </pc:spChg>
+        <pc:picChg chg="mod">
+          <ac:chgData name="차성훈" userId="0cbcdb81-68e1-4440-8144-1bec48c19f70" providerId="ADAL" clId="{AFC96262-002C-497E-9E90-57A633BD1B6C}" dt="2023-08-16T13:36:22.785" v="1031" actId="1076"/>
+          <ac:picMkLst>
+            <pc:docMk/>
+            <pc:sldMk cId="3722939314" sldId="325"/>
+            <ac:picMk id="7" creationId="{91B58D50-C38C-7C17-E87B-968657CB15F7}"/>
+          </ac:picMkLst>
+        </pc:picChg>
+        <pc:picChg chg="mod">
+          <ac:chgData name="차성훈" userId="0cbcdb81-68e1-4440-8144-1bec48c19f70" providerId="ADAL" clId="{AFC96262-002C-497E-9E90-57A633BD1B6C}" dt="2023-08-16T13:36:16.793" v="1030" actId="1076"/>
+          <ac:picMkLst>
+            <pc:docMk/>
+            <pc:sldMk cId="3722939314" sldId="325"/>
+            <ac:picMk id="9" creationId="{8E78DB21-9C9A-A692-F3F8-34ABD196355A}"/>
+          </ac:picMkLst>
+        </pc:picChg>
+        <pc:picChg chg="mod">
+          <ac:chgData name="차성훈" userId="0cbcdb81-68e1-4440-8144-1bec48c19f70" providerId="ADAL" clId="{AFC96262-002C-497E-9E90-57A633BD1B6C}" dt="2023-08-16T13:36:28.629" v="1032" actId="1076"/>
+          <ac:picMkLst>
+            <pc:docMk/>
+            <pc:sldMk cId="3722939314" sldId="325"/>
+            <ac:picMk id="13" creationId="{CD73A358-AC7A-CAE3-3BB0-C5460FD18293}"/>
+          </ac:picMkLst>
+        </pc:picChg>
+      </pc:sldChg>
+      <pc:sldChg chg="delSp modSp mod modNotesTx">
+        <pc:chgData name="차성훈" userId="0cbcdb81-68e1-4440-8144-1bec48c19f70" providerId="ADAL" clId="{AFC96262-002C-497E-9E90-57A633BD1B6C}" dt="2023-08-16T16:41:58.819" v="12228" actId="20577"/>
+        <pc:sldMkLst>
+          <pc:docMk/>
+          <pc:sldMk cId="1462270604" sldId="326"/>
+        </pc:sldMkLst>
+        <pc:spChg chg="del">
+          <ac:chgData name="차성훈" userId="0cbcdb81-68e1-4440-8144-1bec48c19f70" providerId="ADAL" clId="{AFC96262-002C-497E-9E90-57A633BD1B6C}" dt="2023-08-16T14:00:07.170" v="2052" actId="478"/>
+          <ac:spMkLst>
+            <pc:docMk/>
+            <pc:sldMk cId="1462270604" sldId="326"/>
+            <ac:spMk id="12" creationId="{744D1BEC-D4B0-7B92-1929-4A1F0368703C}"/>
+          </ac:spMkLst>
+        </pc:spChg>
+        <pc:picChg chg="mod">
+          <ac:chgData name="차성훈" userId="0cbcdb81-68e1-4440-8144-1bec48c19f70" providerId="ADAL" clId="{AFC96262-002C-497E-9E90-57A633BD1B6C}" dt="2023-08-16T13:59:52.231" v="2049" actId="1076"/>
+          <ac:picMkLst>
+            <pc:docMk/>
+            <pc:sldMk cId="1462270604" sldId="326"/>
+            <ac:picMk id="7" creationId="{03F18870-D7C4-3852-83A6-D0BA8C6BF337}"/>
+          </ac:picMkLst>
+        </pc:picChg>
+        <pc:picChg chg="mod">
+          <ac:chgData name="차성훈" userId="0cbcdb81-68e1-4440-8144-1bec48c19f70" providerId="ADAL" clId="{AFC96262-002C-497E-9E90-57A633BD1B6C}" dt="2023-08-16T13:59:55.413" v="2050" actId="1076"/>
+          <ac:picMkLst>
+            <pc:docMk/>
+            <pc:sldMk cId="1462270604" sldId="326"/>
+            <ac:picMk id="9" creationId="{7BA27652-268F-AC7E-7EB0-CC51EFFC0630}"/>
+          </ac:picMkLst>
+        </pc:picChg>
+      </pc:sldChg>
+      <pc:sldChg chg="delSp modSp mod modNotesTx">
+        <pc:chgData name="차성훈" userId="0cbcdb81-68e1-4440-8144-1bec48c19f70" providerId="ADAL" clId="{AFC96262-002C-497E-9E90-57A633BD1B6C}" dt="2023-08-16T16:42:01.937" v="12230" actId="20577"/>
+        <pc:sldMkLst>
+          <pc:docMk/>
+          <pc:sldMk cId="2822321282" sldId="327"/>
+        </pc:sldMkLst>
+        <pc:spChg chg="del">
+          <ac:chgData name="차성훈" userId="0cbcdb81-68e1-4440-8144-1bec48c19f70" providerId="ADAL" clId="{AFC96262-002C-497E-9E90-57A633BD1B6C}" dt="2023-08-16T14:12:55.148" v="2561" actId="478"/>
+          <ac:spMkLst>
+            <pc:docMk/>
+            <pc:sldMk cId="2822321282" sldId="327"/>
+            <ac:spMk id="12" creationId="{744D1BEC-D4B0-7B92-1929-4A1F0368703C}"/>
+          </ac:spMkLst>
+        </pc:spChg>
+        <pc:picChg chg="mod">
+          <ac:chgData name="차성훈" userId="0cbcdb81-68e1-4440-8144-1bec48c19f70" providerId="ADAL" clId="{AFC96262-002C-497E-9E90-57A633BD1B6C}" dt="2023-08-16T14:13:02.785" v="2562" actId="1076"/>
+          <ac:picMkLst>
+            <pc:docMk/>
+            <pc:sldMk cId="2822321282" sldId="327"/>
+            <ac:picMk id="2" creationId="{668C415A-3FD1-3077-E760-DF35C63D23EE}"/>
+          </ac:picMkLst>
+        </pc:picChg>
+        <pc:picChg chg="mod">
+          <ac:chgData name="차성훈" userId="0cbcdb81-68e1-4440-8144-1bec48c19f70" providerId="ADAL" clId="{AFC96262-002C-497E-9E90-57A633BD1B6C}" dt="2023-08-16T14:13:05.962" v="2563" actId="1076"/>
+          <ac:picMkLst>
+            <pc:docMk/>
+            <pc:sldMk cId="2822321282" sldId="327"/>
+            <ac:picMk id="13" creationId="{A1037F9F-0AB0-5EFA-393B-74FF1A236C62}"/>
+          </ac:picMkLst>
+        </pc:picChg>
+      </pc:sldChg>
+      <pc:sldChg chg="modSp mod modNotesTx">
+        <pc:chgData name="차성훈" userId="0cbcdb81-68e1-4440-8144-1bec48c19f70" providerId="ADAL" clId="{AFC96262-002C-497E-9E90-57A633BD1B6C}" dt="2023-08-16T16:42:05.426" v="12232" actId="20577"/>
+        <pc:sldMkLst>
+          <pc:docMk/>
+          <pc:sldMk cId="1142109778" sldId="328"/>
+        </pc:sldMkLst>
+        <pc:spChg chg="mod">
+          <ac:chgData name="차성훈" userId="0cbcdb81-68e1-4440-8144-1bec48c19f70" providerId="ADAL" clId="{AFC96262-002C-497E-9E90-57A633BD1B6C}" dt="2023-08-16T14:39:06.261" v="3967" actId="20577"/>
+          <ac:spMkLst>
+            <pc:docMk/>
+            <pc:sldMk cId="1142109778" sldId="328"/>
+            <ac:spMk id="12" creationId="{744D1BEC-D4B0-7B92-1929-4A1F0368703C}"/>
+          </ac:spMkLst>
+        </pc:spChg>
+      </pc:sldChg>
+      <pc:sldChg chg="modNotesTx">
+        <pc:chgData name="차성훈" userId="0cbcdb81-68e1-4440-8144-1bec48c19f70" providerId="ADAL" clId="{AFC96262-002C-497E-9E90-57A633BD1B6C}" dt="2023-08-16T16:42:09.768" v="12236" actId="20577"/>
+        <pc:sldMkLst>
+          <pc:docMk/>
+          <pc:sldMk cId="3401777777" sldId="329"/>
+        </pc:sldMkLst>
+      </pc:sldChg>
+    </pc:docChg>
+  </pc:docChgLst>
+  <pc:docChgLst>
     <pc:chgData name="성훈 차" userId="0ffed2f82cbc7200" providerId="LiveId" clId="{C37085E6-03A1-40A4-B0B0-C9F72EFAF741}"/>
     <pc:docChg chg="undo redo custSel addSld delSld modSld">
       <pc:chgData name="성훈 차" userId="0ffed2f82cbc7200" providerId="LiveId" clId="{C37085E6-03A1-40A4-B0B0-C9F72EFAF741}" dt="2023-11-06T08:11:00.047" v="15474" actId="20577"/>
@@ -2941,248 +3184,6 @@
       </pc:sldChg>
     </pc:docChg>
   </pc:docChgLst>
-  <pc:docChgLst>
-    <pc:chgData name="차성훈" userId="0cbcdb81-68e1-4440-8144-1bec48c19f70" providerId="ADAL" clId="{AFC96262-002C-497E-9E90-57A633BD1B6C}"/>
-    <pc:docChg chg="undo custSel modSld">
-      <pc:chgData name="차성훈" userId="0cbcdb81-68e1-4440-8144-1bec48c19f70" providerId="ADAL" clId="{AFC96262-002C-497E-9E90-57A633BD1B6C}" dt="2023-08-16T16:42:09.768" v="12236" actId="20577"/>
-      <pc:docMkLst>
-        <pc:docMk/>
-      </pc:docMkLst>
-      <pc:sldChg chg="modNotesTx">
-        <pc:chgData name="차성훈" userId="0cbcdb81-68e1-4440-8144-1bec48c19f70" providerId="ADAL" clId="{AFC96262-002C-497E-9E90-57A633BD1B6C}" dt="2023-08-16T15:08:24.343" v="6285" actId="20577"/>
-        <pc:sldMkLst>
-          <pc:docMk/>
-          <pc:sldMk cId="1582720454" sldId="270"/>
-        </pc:sldMkLst>
-      </pc:sldChg>
-      <pc:sldChg chg="modNotesTx">
-        <pc:chgData name="차성훈" userId="0cbcdb81-68e1-4440-8144-1bec48c19f70" providerId="ADAL" clId="{AFC96262-002C-497E-9E90-57A633BD1B6C}" dt="2023-08-16T15:31:26.231" v="7354" actId="20577"/>
-        <pc:sldMkLst>
-          <pc:docMk/>
-          <pc:sldMk cId="3667149960" sldId="302"/>
-        </pc:sldMkLst>
-      </pc:sldChg>
-      <pc:sldChg chg="modNotesTx">
-        <pc:chgData name="차성훈" userId="0cbcdb81-68e1-4440-8144-1bec48c19f70" providerId="ADAL" clId="{AFC96262-002C-497E-9E90-57A633BD1B6C}" dt="2023-08-16T15:42:46.749" v="8392" actId="20577"/>
-        <pc:sldMkLst>
-          <pc:docMk/>
-          <pc:sldMk cId="2547576909" sldId="303"/>
-        </pc:sldMkLst>
-      </pc:sldChg>
-      <pc:sldChg chg="modNotesTx">
-        <pc:chgData name="차성훈" userId="0cbcdb81-68e1-4440-8144-1bec48c19f70" providerId="ADAL" clId="{AFC96262-002C-497E-9E90-57A633BD1B6C}" dt="2023-08-16T15:52:32.008" v="9203" actId="20577"/>
-        <pc:sldMkLst>
-          <pc:docMk/>
-          <pc:sldMk cId="1774799436" sldId="304"/>
-        </pc:sldMkLst>
-      </pc:sldChg>
-      <pc:sldChg chg="modSp mod">
-        <pc:chgData name="차성훈" userId="0cbcdb81-68e1-4440-8144-1bec48c19f70" providerId="ADAL" clId="{AFC96262-002C-497E-9E90-57A633BD1B6C}" dt="2023-08-16T15:54:18.701" v="9204" actId="20577"/>
-        <pc:sldMkLst>
-          <pc:docMk/>
-          <pc:sldMk cId="490219926" sldId="305"/>
-        </pc:sldMkLst>
-        <pc:spChg chg="mod">
-          <ac:chgData name="차성훈" userId="0cbcdb81-68e1-4440-8144-1bec48c19f70" providerId="ADAL" clId="{AFC96262-002C-497E-9E90-57A633BD1B6C}" dt="2023-08-16T15:54:18.701" v="9204" actId="20577"/>
-          <ac:spMkLst>
-            <pc:docMk/>
-            <pc:sldMk cId="490219926" sldId="305"/>
-            <ac:spMk id="12" creationId="{744D1BEC-D4B0-7B92-1929-4A1F0368703C}"/>
-          </ac:spMkLst>
-        </pc:spChg>
-      </pc:sldChg>
-      <pc:sldChg chg="modNotesTx">
-        <pc:chgData name="차성훈" userId="0cbcdb81-68e1-4440-8144-1bec48c19f70" providerId="ADAL" clId="{AFC96262-002C-497E-9E90-57A633BD1B6C}" dt="2023-08-16T16:11:45.923" v="10183" actId="20577"/>
-        <pc:sldMkLst>
-          <pc:docMk/>
-          <pc:sldMk cId="1686859578" sldId="306"/>
-        </pc:sldMkLst>
-      </pc:sldChg>
-      <pc:sldChg chg="modSp mod modNotesTx">
-        <pc:chgData name="차성훈" userId="0cbcdb81-68e1-4440-8144-1bec48c19f70" providerId="ADAL" clId="{AFC96262-002C-497E-9E90-57A633BD1B6C}" dt="2023-08-16T16:41:46.498" v="12223" actId="20577"/>
-        <pc:sldMkLst>
-          <pc:docMk/>
-          <pc:sldMk cId="3818250613" sldId="310"/>
-        </pc:sldMkLst>
-        <pc:spChg chg="mod">
-          <ac:chgData name="차성훈" userId="0cbcdb81-68e1-4440-8144-1bec48c19f70" providerId="ADAL" clId="{AFC96262-002C-497E-9E90-57A633BD1B6C}" dt="2023-08-16T13:34:25.361" v="932" actId="20577"/>
-          <ac:spMkLst>
-            <pc:docMk/>
-            <pc:sldMk cId="3818250613" sldId="310"/>
-            <ac:spMk id="12" creationId="{744D1BEC-D4B0-7B92-1929-4A1F0368703C}"/>
-          </ac:spMkLst>
-        </pc:spChg>
-        <pc:picChg chg="mod">
-          <ac:chgData name="차성훈" userId="0cbcdb81-68e1-4440-8144-1bec48c19f70" providerId="ADAL" clId="{AFC96262-002C-497E-9E90-57A633BD1B6C}" dt="2023-08-16T13:23:14.959" v="112" actId="1076"/>
-          <ac:picMkLst>
-            <pc:docMk/>
-            <pc:sldMk cId="3818250613" sldId="310"/>
-            <ac:picMk id="3" creationId="{FDC45488-7B04-EDF4-FDBB-D00F4B4C90F4}"/>
-          </ac:picMkLst>
-        </pc:picChg>
-      </pc:sldChg>
-      <pc:sldChg chg="modNotesTx">
-        <pc:chgData name="차성훈" userId="0cbcdb81-68e1-4440-8144-1bec48c19f70" providerId="ADAL" clId="{AFC96262-002C-497E-9E90-57A633BD1B6C}" dt="2023-08-16T15:46:19.676" v="8613" actId="20577"/>
-        <pc:sldMkLst>
-          <pc:docMk/>
-          <pc:sldMk cId="2381641860" sldId="322"/>
-        </pc:sldMkLst>
-      </pc:sldChg>
-      <pc:sldChg chg="modSp mod modNotesTx">
-        <pc:chgData name="차성훈" userId="0cbcdb81-68e1-4440-8144-1bec48c19f70" providerId="ADAL" clId="{AFC96262-002C-497E-9E90-57A633BD1B6C}" dt="2023-08-16T16:41:19.842" v="12217" actId="20577"/>
-        <pc:sldMkLst>
-          <pc:docMk/>
-          <pc:sldMk cId="1479481285" sldId="323"/>
-        </pc:sldMkLst>
-        <pc:spChg chg="mod">
-          <ac:chgData name="차성훈" userId="0cbcdb81-68e1-4440-8144-1bec48c19f70" providerId="ADAL" clId="{AFC96262-002C-497E-9E90-57A633BD1B6C}" dt="2023-08-16T16:38:22.675" v="11890" actId="20577"/>
-          <ac:spMkLst>
-            <pc:docMk/>
-            <pc:sldMk cId="1479481285" sldId="323"/>
-            <ac:spMk id="12" creationId="{744D1BEC-D4B0-7B92-1929-4A1F0368703C}"/>
-          </ac:spMkLst>
-        </pc:spChg>
-      </pc:sldChg>
-      <pc:sldChg chg="modSp modNotesTx">
-        <pc:chgData name="차성훈" userId="0cbcdb81-68e1-4440-8144-1bec48c19f70" providerId="ADAL" clId="{AFC96262-002C-497E-9E90-57A633BD1B6C}" dt="2023-08-16T16:26:01.968" v="10919" actId="20577"/>
-        <pc:sldMkLst>
-          <pc:docMk/>
-          <pc:sldMk cId="1132980631" sldId="324"/>
-        </pc:sldMkLst>
-        <pc:spChg chg="mod">
-          <ac:chgData name="차성훈" userId="0cbcdb81-68e1-4440-8144-1bec48c19f70" providerId="ADAL" clId="{AFC96262-002C-497E-9E90-57A633BD1B6C}" dt="2023-08-16T16:22:50.417" v="10621" actId="20577"/>
-          <ac:spMkLst>
-            <pc:docMk/>
-            <pc:sldMk cId="1132980631" sldId="324"/>
-            <ac:spMk id="12" creationId="{744D1BEC-D4B0-7B92-1929-4A1F0368703C}"/>
-          </ac:spMkLst>
-        </pc:spChg>
-      </pc:sldChg>
-      <pc:sldChg chg="delSp modSp mod modNotesTx">
-        <pc:chgData name="차성훈" userId="0cbcdb81-68e1-4440-8144-1bec48c19f70" providerId="ADAL" clId="{AFC96262-002C-497E-9E90-57A633BD1B6C}" dt="2023-08-16T16:41:55.463" v="12226" actId="20577"/>
-        <pc:sldMkLst>
-          <pc:docMk/>
-          <pc:sldMk cId="3722939314" sldId="325"/>
-        </pc:sldMkLst>
-        <pc:spChg chg="del">
-          <ac:chgData name="차성훈" userId="0cbcdb81-68e1-4440-8144-1bec48c19f70" providerId="ADAL" clId="{AFC96262-002C-497E-9E90-57A633BD1B6C}" dt="2023-08-16T14:00:01.840" v="2051" actId="478"/>
-          <ac:spMkLst>
-            <pc:docMk/>
-            <pc:sldMk cId="3722939314" sldId="325"/>
-            <ac:spMk id="12" creationId="{744D1BEC-D4B0-7B92-1929-4A1F0368703C}"/>
-          </ac:spMkLst>
-        </pc:spChg>
-        <pc:picChg chg="mod">
-          <ac:chgData name="차성훈" userId="0cbcdb81-68e1-4440-8144-1bec48c19f70" providerId="ADAL" clId="{AFC96262-002C-497E-9E90-57A633BD1B6C}" dt="2023-08-16T13:36:22.785" v="1031" actId="1076"/>
-          <ac:picMkLst>
-            <pc:docMk/>
-            <pc:sldMk cId="3722939314" sldId="325"/>
-            <ac:picMk id="7" creationId="{91B58D50-C38C-7C17-E87B-968657CB15F7}"/>
-          </ac:picMkLst>
-        </pc:picChg>
-        <pc:picChg chg="mod">
-          <ac:chgData name="차성훈" userId="0cbcdb81-68e1-4440-8144-1bec48c19f70" providerId="ADAL" clId="{AFC96262-002C-497E-9E90-57A633BD1B6C}" dt="2023-08-16T13:36:16.793" v="1030" actId="1076"/>
-          <ac:picMkLst>
-            <pc:docMk/>
-            <pc:sldMk cId="3722939314" sldId="325"/>
-            <ac:picMk id="9" creationId="{8E78DB21-9C9A-A692-F3F8-34ABD196355A}"/>
-          </ac:picMkLst>
-        </pc:picChg>
-        <pc:picChg chg="mod">
-          <ac:chgData name="차성훈" userId="0cbcdb81-68e1-4440-8144-1bec48c19f70" providerId="ADAL" clId="{AFC96262-002C-497E-9E90-57A633BD1B6C}" dt="2023-08-16T13:36:28.629" v="1032" actId="1076"/>
-          <ac:picMkLst>
-            <pc:docMk/>
-            <pc:sldMk cId="3722939314" sldId="325"/>
-            <ac:picMk id="13" creationId="{CD73A358-AC7A-CAE3-3BB0-C5460FD18293}"/>
-          </ac:picMkLst>
-        </pc:picChg>
-      </pc:sldChg>
-      <pc:sldChg chg="delSp modSp mod modNotesTx">
-        <pc:chgData name="차성훈" userId="0cbcdb81-68e1-4440-8144-1bec48c19f70" providerId="ADAL" clId="{AFC96262-002C-497E-9E90-57A633BD1B6C}" dt="2023-08-16T16:41:58.819" v="12228" actId="20577"/>
-        <pc:sldMkLst>
-          <pc:docMk/>
-          <pc:sldMk cId="1462270604" sldId="326"/>
-        </pc:sldMkLst>
-        <pc:spChg chg="del">
-          <ac:chgData name="차성훈" userId="0cbcdb81-68e1-4440-8144-1bec48c19f70" providerId="ADAL" clId="{AFC96262-002C-497E-9E90-57A633BD1B6C}" dt="2023-08-16T14:00:07.170" v="2052" actId="478"/>
-          <ac:spMkLst>
-            <pc:docMk/>
-            <pc:sldMk cId="1462270604" sldId="326"/>
-            <ac:spMk id="12" creationId="{744D1BEC-D4B0-7B92-1929-4A1F0368703C}"/>
-          </ac:spMkLst>
-        </pc:spChg>
-        <pc:picChg chg="mod">
-          <ac:chgData name="차성훈" userId="0cbcdb81-68e1-4440-8144-1bec48c19f70" providerId="ADAL" clId="{AFC96262-002C-497E-9E90-57A633BD1B6C}" dt="2023-08-16T13:59:52.231" v="2049" actId="1076"/>
-          <ac:picMkLst>
-            <pc:docMk/>
-            <pc:sldMk cId="1462270604" sldId="326"/>
-            <ac:picMk id="7" creationId="{03F18870-D7C4-3852-83A6-D0BA8C6BF337}"/>
-          </ac:picMkLst>
-        </pc:picChg>
-        <pc:picChg chg="mod">
-          <ac:chgData name="차성훈" userId="0cbcdb81-68e1-4440-8144-1bec48c19f70" providerId="ADAL" clId="{AFC96262-002C-497E-9E90-57A633BD1B6C}" dt="2023-08-16T13:59:55.413" v="2050" actId="1076"/>
-          <ac:picMkLst>
-            <pc:docMk/>
-            <pc:sldMk cId="1462270604" sldId="326"/>
-            <ac:picMk id="9" creationId="{7BA27652-268F-AC7E-7EB0-CC51EFFC0630}"/>
-          </ac:picMkLst>
-        </pc:picChg>
-      </pc:sldChg>
-      <pc:sldChg chg="delSp modSp mod modNotesTx">
-        <pc:chgData name="차성훈" userId="0cbcdb81-68e1-4440-8144-1bec48c19f70" providerId="ADAL" clId="{AFC96262-002C-497E-9E90-57A633BD1B6C}" dt="2023-08-16T16:42:01.937" v="12230" actId="20577"/>
-        <pc:sldMkLst>
-          <pc:docMk/>
-          <pc:sldMk cId="2822321282" sldId="327"/>
-        </pc:sldMkLst>
-        <pc:spChg chg="del">
-          <ac:chgData name="차성훈" userId="0cbcdb81-68e1-4440-8144-1bec48c19f70" providerId="ADAL" clId="{AFC96262-002C-497E-9E90-57A633BD1B6C}" dt="2023-08-16T14:12:55.148" v="2561" actId="478"/>
-          <ac:spMkLst>
-            <pc:docMk/>
-            <pc:sldMk cId="2822321282" sldId="327"/>
-            <ac:spMk id="12" creationId="{744D1BEC-D4B0-7B92-1929-4A1F0368703C}"/>
-          </ac:spMkLst>
-        </pc:spChg>
-        <pc:picChg chg="mod">
-          <ac:chgData name="차성훈" userId="0cbcdb81-68e1-4440-8144-1bec48c19f70" providerId="ADAL" clId="{AFC96262-002C-497E-9E90-57A633BD1B6C}" dt="2023-08-16T14:13:02.785" v="2562" actId="1076"/>
-          <ac:picMkLst>
-            <pc:docMk/>
-            <pc:sldMk cId="2822321282" sldId="327"/>
-            <ac:picMk id="2" creationId="{668C415A-3FD1-3077-E760-DF35C63D23EE}"/>
-          </ac:picMkLst>
-        </pc:picChg>
-        <pc:picChg chg="mod">
-          <ac:chgData name="차성훈" userId="0cbcdb81-68e1-4440-8144-1bec48c19f70" providerId="ADAL" clId="{AFC96262-002C-497E-9E90-57A633BD1B6C}" dt="2023-08-16T14:13:05.962" v="2563" actId="1076"/>
-          <ac:picMkLst>
-            <pc:docMk/>
-            <pc:sldMk cId="2822321282" sldId="327"/>
-            <ac:picMk id="13" creationId="{A1037F9F-0AB0-5EFA-393B-74FF1A236C62}"/>
-          </ac:picMkLst>
-        </pc:picChg>
-      </pc:sldChg>
-      <pc:sldChg chg="modSp mod modNotesTx">
-        <pc:chgData name="차성훈" userId="0cbcdb81-68e1-4440-8144-1bec48c19f70" providerId="ADAL" clId="{AFC96262-002C-497E-9E90-57A633BD1B6C}" dt="2023-08-16T16:42:05.426" v="12232" actId="20577"/>
-        <pc:sldMkLst>
-          <pc:docMk/>
-          <pc:sldMk cId="1142109778" sldId="328"/>
-        </pc:sldMkLst>
-        <pc:spChg chg="mod">
-          <ac:chgData name="차성훈" userId="0cbcdb81-68e1-4440-8144-1bec48c19f70" providerId="ADAL" clId="{AFC96262-002C-497E-9E90-57A633BD1B6C}" dt="2023-08-16T14:39:06.261" v="3967" actId="20577"/>
-          <ac:spMkLst>
-            <pc:docMk/>
-            <pc:sldMk cId="1142109778" sldId="328"/>
-            <ac:spMk id="12" creationId="{744D1BEC-D4B0-7B92-1929-4A1F0368703C}"/>
-          </ac:spMkLst>
-        </pc:spChg>
-      </pc:sldChg>
-      <pc:sldChg chg="modNotesTx">
-        <pc:chgData name="차성훈" userId="0cbcdb81-68e1-4440-8144-1bec48c19f70" providerId="ADAL" clId="{AFC96262-002C-497E-9E90-57A633BD1B6C}" dt="2023-08-16T16:42:09.768" v="12236" actId="20577"/>
-        <pc:sldMkLst>
-          <pc:docMk/>
-          <pc:sldMk cId="3401777777" sldId="329"/>
-        </pc:sldMkLst>
-      </pc:sldChg>
-    </pc:docChg>
-  </pc:docChgLst>
 </pc:chgInfo>
 </file>
 
@@ -3268,7 +3269,7 @@
           <a:p>
             <a:fld id="{EA620784-739E-4CE3-8007-FA3D0D31F7CE}" type="datetimeFigureOut">
               <a:rPr lang="ko-KR" altLang="en-US" smtClean="0"/>
-              <a:t>2024-01-19</a:t>
+              <a:t>2024-01-30</a:t>
             </a:fld>
             <a:endParaRPr lang="ko-KR" altLang="en-US"/>
           </a:p>
@@ -3728,7 +3729,22 @@
           <a:bodyPr/>
           <a:lstStyle/>
           <a:p>
-            <a:endParaRPr lang="ko-KR" altLang="en-US" dirty="0"/>
+            <a:pPr marL="0" lvl="0" indent="0" algn="just" latinLnBrk="1">
+              <a:lnSpc>
+                <a:spcPct val="107000"/>
+              </a:lnSpc>
+              <a:spcAft>
+                <a:spcPts val="800"/>
+              </a:spcAft>
+              <a:buFont typeface="맑은 고딕" panose="020B0503020000020004" pitchFamily="50" charset="-127"/>
+              <a:buNone/>
+            </a:pPr>
+            <a:endParaRPr lang="en-US" altLang="ko-KR" sz="1800" kern="100" dirty="0">
+              <a:effectLst/>
+              <a:latin typeface="맑은 고딕" panose="020B0503020000020004" pitchFamily="50" charset="-127"/>
+              <a:ea typeface="맑은 고딕" panose="020B0503020000020004" pitchFamily="50" charset="-127"/>
+              <a:cs typeface="Times New Roman" panose="02020603050405020304" pitchFamily="18" charset="0"/>
+            </a:endParaRPr>
           </a:p>
         </p:txBody>
       </p:sp>
@@ -3758,7 +3774,7 @@
     </p:spTree>
     <p:extLst>
       <p:ext uri="{BB962C8B-B14F-4D97-AF65-F5344CB8AC3E}">
-        <p14:creationId xmlns:p14="http://schemas.microsoft.com/office/powerpoint/2010/main" val="1056304133"/>
+        <p14:creationId xmlns:p14="http://schemas.microsoft.com/office/powerpoint/2010/main" val="4199184946"/>
       </p:ext>
     </p:extLst>
   </p:cSld>
@@ -3812,22 +3828,7 @@
           <a:bodyPr/>
           <a:lstStyle/>
           <a:p>
-            <a:pPr marL="0" lvl="0" indent="0" algn="just" latinLnBrk="1">
-              <a:lnSpc>
-                <a:spcPct val="107000"/>
-              </a:lnSpc>
-              <a:spcAft>
-                <a:spcPts val="800"/>
-              </a:spcAft>
-              <a:buFont typeface="맑은 고딕" panose="020B0503020000020004" pitchFamily="50" charset="-127"/>
-              <a:buNone/>
-            </a:pPr>
-            <a:endParaRPr lang="en-US" altLang="ko-KR" sz="1800" kern="100" dirty="0">
-              <a:effectLst/>
-              <a:latin typeface="맑은 고딕" panose="020B0503020000020004" pitchFamily="50" charset="-127"/>
-              <a:ea typeface="맑은 고딕" panose="020B0503020000020004" pitchFamily="50" charset="-127"/>
-              <a:cs typeface="Times New Roman" panose="02020603050405020304" pitchFamily="18" charset="0"/>
-            </a:endParaRPr>
+            <a:endParaRPr lang="ko-KR" altLang="en-US" dirty="0"/>
           </a:p>
         </p:txBody>
       </p:sp>
@@ -3857,7 +3858,7 @@
     </p:spTree>
     <p:extLst>
       <p:ext uri="{BB962C8B-B14F-4D97-AF65-F5344CB8AC3E}">
-        <p14:creationId xmlns:p14="http://schemas.microsoft.com/office/powerpoint/2010/main" val="2839845453"/>
+        <p14:creationId xmlns:p14="http://schemas.microsoft.com/office/powerpoint/2010/main" val="1056304133"/>
       </p:ext>
     </p:extLst>
   </p:cSld>
@@ -3948,6 +3949,105 @@
             <a:fld id="{8E2362D6-0AB8-4031-A932-4DA4A762F8DB}" type="slidenum">
               <a:rPr lang="ko-KR" altLang="en-US" smtClean="0"/>
               <a:t>12</a:t>
+            </a:fld>
+            <a:endParaRPr lang="ko-KR" altLang="en-US"/>
+          </a:p>
+        </p:txBody>
+      </p:sp>
+    </p:spTree>
+    <p:extLst>
+      <p:ext uri="{BB962C8B-B14F-4D97-AF65-F5344CB8AC3E}">
+        <p14:creationId xmlns:p14="http://schemas.microsoft.com/office/powerpoint/2010/main" val="2839845453"/>
+      </p:ext>
+    </p:extLst>
+  </p:cSld>
+  <p:clrMapOvr>
+    <a:masterClrMapping/>
+  </p:clrMapOvr>
+</p:notes>
+</file>
+
+<file path=ppt/notesSlides/notesSlide13.xml><?xml version="1.0" encoding="utf-8"?>
+<p:notes xmlns:a="http://schemas.openxmlformats.org/drawingml/2006/main" xmlns:r="http://schemas.openxmlformats.org/officeDocument/2006/relationships" xmlns:p="http://schemas.openxmlformats.org/presentationml/2006/main">
+  <p:cSld>
+    <p:spTree>
+      <p:nvGrpSpPr>
+        <p:cNvPr id="1" name=""/>
+        <p:cNvGrpSpPr/>
+        <p:nvPr/>
+      </p:nvGrpSpPr>
+      <p:grpSpPr>
+        <a:xfrm>
+          <a:off x="0" y="0"/>
+          <a:ext cx="0" cy="0"/>
+          <a:chOff x="0" y="0"/>
+          <a:chExt cx="0" cy="0"/>
+        </a:xfrm>
+      </p:grpSpPr>
+      <p:sp>
+        <p:nvSpPr>
+          <p:cNvPr id="2" name="슬라이드 이미지 개체 틀 1"/>
+          <p:cNvSpPr>
+            <a:spLocks noGrp="1" noRot="1" noChangeAspect="1"/>
+          </p:cNvSpPr>
+          <p:nvPr>
+            <p:ph type="sldImg"/>
+          </p:nvPr>
+        </p:nvSpPr>
+        <p:spPr/>
+      </p:sp>
+      <p:sp>
+        <p:nvSpPr>
+          <p:cNvPr id="3" name="슬라이드 노트 개체 틀 2"/>
+          <p:cNvSpPr>
+            <a:spLocks noGrp="1"/>
+          </p:cNvSpPr>
+          <p:nvPr>
+            <p:ph type="body" idx="1"/>
+          </p:nvPr>
+        </p:nvSpPr>
+        <p:spPr/>
+        <p:txBody>
+          <a:bodyPr/>
+          <a:lstStyle/>
+          <a:p>
+            <a:pPr marL="0" lvl="0" indent="0" algn="just" latinLnBrk="1">
+              <a:lnSpc>
+                <a:spcPct val="107000"/>
+              </a:lnSpc>
+              <a:spcAft>
+                <a:spcPts val="800"/>
+              </a:spcAft>
+              <a:buFont typeface="맑은 고딕" panose="020B0503020000020004" pitchFamily="50" charset="-127"/>
+              <a:buNone/>
+            </a:pPr>
+            <a:endParaRPr lang="en-US" altLang="ko-KR" sz="1800" kern="100" dirty="0">
+              <a:effectLst/>
+              <a:latin typeface="맑은 고딕" panose="020B0503020000020004" pitchFamily="50" charset="-127"/>
+              <a:ea typeface="맑은 고딕" panose="020B0503020000020004" pitchFamily="50" charset="-127"/>
+              <a:cs typeface="Times New Roman" panose="02020603050405020304" pitchFamily="18" charset="0"/>
+            </a:endParaRPr>
+          </a:p>
+        </p:txBody>
+      </p:sp>
+      <p:sp>
+        <p:nvSpPr>
+          <p:cNvPr id="4" name="슬라이드 번호 개체 틀 3"/>
+          <p:cNvSpPr>
+            <a:spLocks noGrp="1"/>
+          </p:cNvSpPr>
+          <p:nvPr>
+            <p:ph type="sldNum" sz="quarter" idx="5"/>
+          </p:nvPr>
+        </p:nvSpPr>
+        <p:spPr/>
+        <p:txBody>
+          <a:bodyPr/>
+          <a:lstStyle/>
+          <a:p>
+            <a:fld id="{8E2362D6-0AB8-4031-A932-4DA4A762F8DB}" type="slidenum">
+              <a:rPr lang="ko-KR" altLang="en-US" smtClean="0"/>
+              <a:t>13</a:t>
             </a:fld>
             <a:endParaRPr lang="ko-KR" altLang="en-US"/>
           </a:p>
@@ -9463,6 +9563,1087 @@
       </p:grpSpPr>
       <p:sp>
         <p:nvSpPr>
+          <p:cNvPr id="11" name="제목 1">
+            <a:extLst>
+              <a:ext uri="{FF2B5EF4-FFF2-40B4-BE49-F238E27FC236}">
+                <a16:creationId xmlns:a16="http://schemas.microsoft.com/office/drawing/2014/main" id="{4A46365F-CD0B-CA29-FC13-60D83F3163DE}"/>
+              </a:ext>
+            </a:extLst>
+          </p:cNvPr>
+          <p:cNvSpPr>
+            <a:spLocks noGrp="1"/>
+          </p:cNvSpPr>
+          <p:nvPr>
+            <p:ph type="title"/>
+          </p:nvPr>
+        </p:nvSpPr>
+        <p:spPr>
+          <a:xfrm>
+            <a:off x="0" y="122495"/>
+            <a:ext cx="6874788" cy="482115"/>
+          </a:xfrm>
+        </p:spPr>
+        <p:txBody>
+          <a:bodyPr/>
+          <a:lstStyle/>
+          <a:p>
+            <a:r>
+              <a:rPr lang="en-US" altLang="ko-KR" sz="2400" b="1" dirty="0"/>
+              <a:t>Subtask</a:t>
+            </a:r>
+            <a:endParaRPr lang="ko-KR" altLang="en-US" sz="2400" b="1" dirty="0"/>
+          </a:p>
+        </p:txBody>
+      </p:sp>
+      <p:sp>
+        <p:nvSpPr>
+          <p:cNvPr id="40" name="TextBox 39">
+            <a:extLst>
+              <a:ext uri="{FF2B5EF4-FFF2-40B4-BE49-F238E27FC236}">
+                <a16:creationId xmlns:a16="http://schemas.microsoft.com/office/drawing/2014/main" id="{FC409D90-EA41-3334-086B-13D710C7B4A6}"/>
+              </a:ext>
+            </a:extLst>
+          </p:cNvPr>
+          <p:cNvSpPr txBox="1"/>
+          <p:nvPr/>
+        </p:nvSpPr>
+        <p:spPr>
+          <a:xfrm>
+            <a:off x="1523715" y="3173920"/>
+            <a:ext cx="1800000" cy="307777"/>
+          </a:xfrm>
+          <a:prstGeom prst="rect">
+            <a:avLst/>
+          </a:prstGeom>
+          <a:solidFill>
+            <a:schemeClr val="bg2">
+              <a:lumMod val="25000"/>
+              <a:lumOff val="75000"/>
+            </a:schemeClr>
+          </a:solidFill>
+          <a:ln>
+            <a:noFill/>
+          </a:ln>
+        </p:spPr>
+        <p:txBody>
+          <a:bodyPr wrap="square" rtlCol="0">
+            <a:spAutoFit/>
+          </a:bodyPr>
+          <a:lstStyle/>
+          <a:p>
+            <a:pPr algn="ctr"/>
+            <a:r>
+              <a:rPr lang="en-US" altLang="ko-KR" dirty="0"/>
+              <a:t>cleaning</a:t>
+            </a:r>
+          </a:p>
+        </p:txBody>
+      </p:sp>
+      <p:sp>
+        <p:nvSpPr>
+          <p:cNvPr id="3" name="TextBox 2">
+            <a:extLst>
+              <a:ext uri="{FF2B5EF4-FFF2-40B4-BE49-F238E27FC236}">
+                <a16:creationId xmlns:a16="http://schemas.microsoft.com/office/drawing/2014/main" id="{14FBC3DF-747A-B669-A79F-155A5AC4B7B1}"/>
+              </a:ext>
+            </a:extLst>
+          </p:cNvPr>
+          <p:cNvSpPr txBox="1"/>
+          <p:nvPr/>
+        </p:nvSpPr>
+        <p:spPr>
+          <a:xfrm>
+            <a:off x="3900059" y="913891"/>
+            <a:ext cx="1799997" cy="307777"/>
+          </a:xfrm>
+          <a:prstGeom prst="rect">
+            <a:avLst/>
+          </a:prstGeom>
+          <a:solidFill>
+            <a:schemeClr val="bg2">
+              <a:lumMod val="25000"/>
+              <a:lumOff val="75000"/>
+            </a:schemeClr>
+          </a:solidFill>
+          <a:ln>
+            <a:noFill/>
+          </a:ln>
+        </p:spPr>
+        <p:txBody>
+          <a:bodyPr wrap="square" rtlCol="0">
+            <a:spAutoFit/>
+          </a:bodyPr>
+          <a:lstStyle/>
+          <a:p>
+            <a:pPr algn="ctr"/>
+            <a:r>
+              <a:rPr lang="en-US" altLang="ko-KR" dirty="0">
+                <a:solidFill>
+                  <a:schemeClr val="bg1">
+                    <a:lumMod val="50000"/>
+                  </a:schemeClr>
+                </a:solidFill>
+              </a:rPr>
+              <a:t>Bream</a:t>
+            </a:r>
+            <a:r>
+              <a:rPr lang="en-US" altLang="ko-KR" sz="1100" dirty="0">
+                <a:solidFill>
+                  <a:schemeClr val="bg1">
+                    <a:lumMod val="50000"/>
+                  </a:schemeClr>
+                </a:solidFill>
+              </a:rPr>
+              <a:t>(</a:t>
+            </a:r>
+            <a:r>
+              <a:rPr lang="ko-KR" altLang="en-US" sz="1100" dirty="0">
+                <a:solidFill>
+                  <a:schemeClr val="bg1">
+                    <a:lumMod val="50000"/>
+                  </a:schemeClr>
+                </a:solidFill>
+              </a:rPr>
+              <a:t>태워서 청소하다</a:t>
+            </a:r>
+            <a:r>
+              <a:rPr lang="en-US" altLang="ko-KR" sz="1100" dirty="0">
+                <a:solidFill>
+                  <a:schemeClr val="bg1">
+                    <a:lumMod val="50000"/>
+                  </a:schemeClr>
+                </a:solidFill>
+              </a:rPr>
+              <a:t>)</a:t>
+            </a:r>
+          </a:p>
+        </p:txBody>
+      </p:sp>
+      <p:sp>
+        <p:nvSpPr>
+          <p:cNvPr id="7" name="TextBox 6">
+            <a:extLst>
+              <a:ext uri="{FF2B5EF4-FFF2-40B4-BE49-F238E27FC236}">
+                <a16:creationId xmlns:a16="http://schemas.microsoft.com/office/drawing/2014/main" id="{F1259651-07B3-7AD8-DA0F-1096CA9A64A9}"/>
+              </a:ext>
+            </a:extLst>
+          </p:cNvPr>
+          <p:cNvSpPr txBox="1"/>
+          <p:nvPr/>
+        </p:nvSpPr>
+        <p:spPr>
+          <a:xfrm>
+            <a:off x="3900060" y="1315943"/>
+            <a:ext cx="1799998" cy="307777"/>
+          </a:xfrm>
+          <a:prstGeom prst="rect">
+            <a:avLst/>
+          </a:prstGeom>
+          <a:solidFill>
+            <a:schemeClr val="bg2">
+              <a:lumMod val="25000"/>
+              <a:lumOff val="75000"/>
+            </a:schemeClr>
+          </a:solidFill>
+          <a:ln>
+            <a:noFill/>
+          </a:ln>
+        </p:spPr>
+        <p:txBody>
+          <a:bodyPr wrap="square" rtlCol="0">
+            <a:spAutoFit/>
+          </a:bodyPr>
+          <a:lstStyle/>
+          <a:p>
+            <a:pPr algn="ctr"/>
+            <a:r>
+              <a:rPr lang="en-US" altLang="ko-KR" dirty="0">
+                <a:solidFill>
+                  <a:schemeClr val="bg2"/>
+                </a:solidFill>
+              </a:rPr>
+              <a:t>Brush</a:t>
+            </a:r>
+          </a:p>
+        </p:txBody>
+      </p:sp>
+      <p:sp>
+        <p:nvSpPr>
+          <p:cNvPr id="8" name="TextBox 7">
+            <a:extLst>
+              <a:ext uri="{FF2B5EF4-FFF2-40B4-BE49-F238E27FC236}">
+                <a16:creationId xmlns:a16="http://schemas.microsoft.com/office/drawing/2014/main" id="{B80CEFE6-9A2F-FDF7-EAB3-B74C22D3686F}"/>
+              </a:ext>
+            </a:extLst>
+          </p:cNvPr>
+          <p:cNvSpPr txBox="1"/>
+          <p:nvPr/>
+        </p:nvSpPr>
+        <p:spPr>
+          <a:xfrm>
+            <a:off x="3900060" y="1717995"/>
+            <a:ext cx="1800000" cy="307777"/>
+          </a:xfrm>
+          <a:prstGeom prst="rect">
+            <a:avLst/>
+          </a:prstGeom>
+          <a:solidFill>
+            <a:schemeClr val="bg2">
+              <a:lumMod val="25000"/>
+              <a:lumOff val="75000"/>
+            </a:schemeClr>
+          </a:solidFill>
+          <a:ln>
+            <a:noFill/>
+          </a:ln>
+        </p:spPr>
+        <p:txBody>
+          <a:bodyPr wrap="square" rtlCol="0">
+            <a:spAutoFit/>
+          </a:bodyPr>
+          <a:lstStyle/>
+          <a:p>
+            <a:pPr algn="ctr"/>
+            <a:r>
+              <a:rPr lang="en-US" altLang="ko-KR" dirty="0">
+                <a:solidFill>
+                  <a:schemeClr val="bg1">
+                    <a:lumMod val="50000"/>
+                  </a:schemeClr>
+                </a:solidFill>
+              </a:rPr>
+              <a:t>Disinfect</a:t>
+            </a:r>
+            <a:r>
+              <a:rPr lang="en-US" altLang="ko-KR" sz="1100" dirty="0">
+                <a:solidFill>
+                  <a:schemeClr val="bg1">
+                    <a:lumMod val="50000"/>
+                  </a:schemeClr>
+                </a:solidFill>
+              </a:rPr>
+              <a:t>(</a:t>
+            </a:r>
+            <a:r>
+              <a:rPr lang="ko-KR" altLang="en-US" sz="1100" dirty="0">
+                <a:solidFill>
+                  <a:schemeClr val="bg1">
+                    <a:lumMod val="50000"/>
+                  </a:schemeClr>
+                </a:solidFill>
+              </a:rPr>
+              <a:t>소독하다</a:t>
+            </a:r>
+            <a:r>
+              <a:rPr lang="en-US" altLang="ko-KR" sz="1100" dirty="0">
+                <a:solidFill>
+                  <a:schemeClr val="bg1">
+                    <a:lumMod val="50000"/>
+                  </a:schemeClr>
+                </a:solidFill>
+              </a:rPr>
+              <a:t>)</a:t>
+            </a:r>
+            <a:endParaRPr lang="en-US" altLang="ko-KR" dirty="0">
+              <a:solidFill>
+                <a:schemeClr val="bg1">
+                  <a:lumMod val="50000"/>
+                </a:schemeClr>
+              </a:solidFill>
+            </a:endParaRPr>
+          </a:p>
+        </p:txBody>
+      </p:sp>
+      <p:sp>
+        <p:nvSpPr>
+          <p:cNvPr id="9" name="TextBox 8">
+            <a:extLst>
+              <a:ext uri="{FF2B5EF4-FFF2-40B4-BE49-F238E27FC236}">
+                <a16:creationId xmlns:a16="http://schemas.microsoft.com/office/drawing/2014/main" id="{F85E80F9-99FA-0827-203D-261253BB8C71}"/>
+              </a:ext>
+            </a:extLst>
+          </p:cNvPr>
+          <p:cNvSpPr txBox="1"/>
+          <p:nvPr/>
+        </p:nvSpPr>
+        <p:spPr>
+          <a:xfrm>
+            <a:off x="3900060" y="2120047"/>
+            <a:ext cx="1800000" cy="307777"/>
+          </a:xfrm>
+          <a:prstGeom prst="rect">
+            <a:avLst/>
+          </a:prstGeom>
+          <a:solidFill>
+            <a:schemeClr val="bg2">
+              <a:lumMod val="25000"/>
+              <a:lumOff val="75000"/>
+            </a:schemeClr>
+          </a:solidFill>
+          <a:ln>
+            <a:noFill/>
+          </a:ln>
+        </p:spPr>
+        <p:txBody>
+          <a:bodyPr wrap="square" rtlCol="0">
+            <a:spAutoFit/>
+          </a:bodyPr>
+          <a:lstStyle/>
+          <a:p>
+            <a:pPr algn="ctr"/>
+            <a:r>
+              <a:rPr lang="en-US" altLang="ko-KR" dirty="0">
+                <a:solidFill>
+                  <a:schemeClr val="bg1">
+                    <a:lumMod val="50000"/>
+                  </a:schemeClr>
+                </a:solidFill>
+              </a:rPr>
+              <a:t>Dry clean</a:t>
+            </a:r>
+          </a:p>
+        </p:txBody>
+      </p:sp>
+      <p:sp>
+        <p:nvSpPr>
+          <p:cNvPr id="10" name="TextBox 9">
+            <a:extLst>
+              <a:ext uri="{FF2B5EF4-FFF2-40B4-BE49-F238E27FC236}">
+                <a16:creationId xmlns:a16="http://schemas.microsoft.com/office/drawing/2014/main" id="{60D53322-A46D-4BE2-17AC-FB02C371AF44}"/>
+              </a:ext>
+            </a:extLst>
+          </p:cNvPr>
+          <p:cNvSpPr txBox="1"/>
+          <p:nvPr/>
+        </p:nvSpPr>
+        <p:spPr>
+          <a:xfrm>
+            <a:off x="3900058" y="2924151"/>
+            <a:ext cx="1799999" cy="307777"/>
+          </a:xfrm>
+          <a:prstGeom prst="rect">
+            <a:avLst/>
+          </a:prstGeom>
+          <a:solidFill>
+            <a:schemeClr val="bg2">
+              <a:lumMod val="25000"/>
+              <a:lumOff val="75000"/>
+            </a:schemeClr>
+          </a:solidFill>
+          <a:ln>
+            <a:noFill/>
+          </a:ln>
+        </p:spPr>
+        <p:txBody>
+          <a:bodyPr wrap="square" rtlCol="0">
+            <a:spAutoFit/>
+          </a:bodyPr>
+          <a:lstStyle/>
+          <a:p>
+            <a:pPr algn="ctr"/>
+            <a:r>
+              <a:rPr lang="en-US" altLang="ko-KR" dirty="0">
+                <a:solidFill>
+                  <a:schemeClr val="bg1">
+                    <a:lumMod val="50000"/>
+                  </a:schemeClr>
+                </a:solidFill>
+              </a:rPr>
+              <a:t>Pipe-clay</a:t>
+            </a:r>
+          </a:p>
+        </p:txBody>
+      </p:sp>
+      <p:sp>
+        <p:nvSpPr>
+          <p:cNvPr id="12" name="TextBox 11">
+            <a:extLst>
+              <a:ext uri="{FF2B5EF4-FFF2-40B4-BE49-F238E27FC236}">
+                <a16:creationId xmlns:a16="http://schemas.microsoft.com/office/drawing/2014/main" id="{AE0B98D5-E058-E787-D0F7-0644FCCE3768}"/>
+              </a:ext>
+            </a:extLst>
+          </p:cNvPr>
+          <p:cNvSpPr txBox="1"/>
+          <p:nvPr/>
+        </p:nvSpPr>
+        <p:spPr>
+          <a:xfrm>
+            <a:off x="3900058" y="2522099"/>
+            <a:ext cx="1799999" cy="307777"/>
+          </a:xfrm>
+          <a:prstGeom prst="rect">
+            <a:avLst/>
+          </a:prstGeom>
+          <a:solidFill>
+            <a:schemeClr val="bg2">
+              <a:lumMod val="25000"/>
+              <a:lumOff val="75000"/>
+            </a:schemeClr>
+          </a:solidFill>
+          <a:ln>
+            <a:noFill/>
+          </a:ln>
+        </p:spPr>
+        <p:txBody>
+          <a:bodyPr wrap="square" rtlCol="0">
+            <a:spAutoFit/>
+          </a:bodyPr>
+          <a:lstStyle/>
+          <a:p>
+            <a:pPr algn="ctr"/>
+            <a:r>
+              <a:rPr lang="en-US" altLang="ko-KR" dirty="0">
+                <a:solidFill>
+                  <a:schemeClr val="tx1"/>
+                </a:solidFill>
+              </a:rPr>
+              <a:t>Dust</a:t>
+            </a:r>
+          </a:p>
+        </p:txBody>
+      </p:sp>
+      <p:sp>
+        <p:nvSpPr>
+          <p:cNvPr id="14" name="TextBox 13">
+            <a:extLst>
+              <a:ext uri="{FF2B5EF4-FFF2-40B4-BE49-F238E27FC236}">
+                <a16:creationId xmlns:a16="http://schemas.microsoft.com/office/drawing/2014/main" id="{0297B01B-E23C-C5D6-37DE-79D57B2D3104}"/>
+              </a:ext>
+            </a:extLst>
+          </p:cNvPr>
+          <p:cNvSpPr txBox="1"/>
+          <p:nvPr/>
+        </p:nvSpPr>
+        <p:spPr>
+          <a:xfrm>
+            <a:off x="3900056" y="3728255"/>
+            <a:ext cx="1800000" cy="307777"/>
+          </a:xfrm>
+          <a:prstGeom prst="rect">
+            <a:avLst/>
+          </a:prstGeom>
+          <a:solidFill>
+            <a:srgbClr val="C6C6C6"/>
+          </a:solidFill>
+        </p:spPr>
+        <p:txBody>
+          <a:bodyPr wrap="square">
+            <a:spAutoFit/>
+          </a:bodyPr>
+          <a:lstStyle/>
+          <a:p>
+            <a:pPr algn="ctr"/>
+            <a:r>
+              <a:rPr lang="en-US" altLang="ko-KR" dirty="0">
+                <a:solidFill>
+                  <a:schemeClr val="bg1">
+                    <a:lumMod val="50000"/>
+                  </a:schemeClr>
+                </a:solidFill>
+              </a:rPr>
+              <a:t>Sanitize</a:t>
+            </a:r>
+            <a:r>
+              <a:rPr lang="en-US" altLang="ko-KR" sz="1100" dirty="0">
+                <a:solidFill>
+                  <a:schemeClr val="bg1">
+                    <a:lumMod val="50000"/>
+                  </a:schemeClr>
+                </a:solidFill>
+              </a:rPr>
+              <a:t>(</a:t>
+            </a:r>
+            <a:r>
+              <a:rPr lang="ko-KR" altLang="en-US" sz="1100" dirty="0">
+                <a:solidFill>
+                  <a:schemeClr val="bg1">
+                    <a:lumMod val="50000"/>
+                  </a:schemeClr>
+                </a:solidFill>
+              </a:rPr>
+              <a:t>살균하다</a:t>
+            </a:r>
+            <a:r>
+              <a:rPr lang="en-US" altLang="ko-KR" sz="1100" dirty="0">
+                <a:solidFill>
+                  <a:schemeClr val="bg1">
+                    <a:lumMod val="50000"/>
+                  </a:schemeClr>
+                </a:solidFill>
+              </a:rPr>
+              <a:t>)</a:t>
+            </a:r>
+            <a:endParaRPr lang="ko-KR" altLang="en-US" dirty="0">
+              <a:solidFill>
+                <a:schemeClr val="bg1">
+                  <a:lumMod val="50000"/>
+                </a:schemeClr>
+              </a:solidFill>
+            </a:endParaRPr>
+          </a:p>
+        </p:txBody>
+      </p:sp>
+      <p:sp>
+        <p:nvSpPr>
+          <p:cNvPr id="16" name="TextBox 15">
+            <a:extLst>
+              <a:ext uri="{FF2B5EF4-FFF2-40B4-BE49-F238E27FC236}">
+                <a16:creationId xmlns:a16="http://schemas.microsoft.com/office/drawing/2014/main" id="{EAD743CA-46CD-6B74-FD97-3FCBE805E43A}"/>
+              </a:ext>
+            </a:extLst>
+          </p:cNvPr>
+          <p:cNvSpPr txBox="1"/>
+          <p:nvPr/>
+        </p:nvSpPr>
+        <p:spPr>
+          <a:xfrm>
+            <a:off x="3900056" y="4130307"/>
+            <a:ext cx="1800000" cy="307777"/>
+          </a:xfrm>
+          <a:prstGeom prst="rect">
+            <a:avLst/>
+          </a:prstGeom>
+          <a:solidFill>
+            <a:srgbClr val="C6C6C6"/>
+          </a:solidFill>
+        </p:spPr>
+        <p:txBody>
+          <a:bodyPr wrap="square">
+            <a:spAutoFit/>
+          </a:bodyPr>
+          <a:lstStyle/>
+          <a:p>
+            <a:pPr algn="ctr"/>
+            <a:r>
+              <a:rPr lang="en-US" altLang="ko-KR" dirty="0">
+                <a:solidFill>
+                  <a:schemeClr val="bg1">
+                    <a:lumMod val="50000"/>
+                  </a:schemeClr>
+                </a:solidFill>
+              </a:rPr>
+              <a:t>Scavenge</a:t>
+            </a:r>
+            <a:endParaRPr lang="ko-KR" altLang="en-US" sz="1100" dirty="0">
+              <a:solidFill>
+                <a:schemeClr val="bg1">
+                  <a:lumMod val="50000"/>
+                </a:schemeClr>
+              </a:solidFill>
+            </a:endParaRPr>
+          </a:p>
+        </p:txBody>
+      </p:sp>
+      <p:sp>
+        <p:nvSpPr>
+          <p:cNvPr id="19" name="TextBox 18">
+            <a:extLst>
+              <a:ext uri="{FF2B5EF4-FFF2-40B4-BE49-F238E27FC236}">
+                <a16:creationId xmlns:a16="http://schemas.microsoft.com/office/drawing/2014/main" id="{28640A6E-6BB1-FEB2-E958-3BFDE7321C55}"/>
+              </a:ext>
+            </a:extLst>
+          </p:cNvPr>
+          <p:cNvSpPr txBox="1"/>
+          <p:nvPr/>
+        </p:nvSpPr>
+        <p:spPr>
+          <a:xfrm>
+            <a:off x="3900056" y="4532359"/>
+            <a:ext cx="1800000" cy="307777"/>
+          </a:xfrm>
+          <a:prstGeom prst="rect">
+            <a:avLst/>
+          </a:prstGeom>
+          <a:solidFill>
+            <a:srgbClr val="C6C6C6"/>
+          </a:solidFill>
+        </p:spPr>
+        <p:txBody>
+          <a:bodyPr wrap="square">
+            <a:spAutoFit/>
+          </a:bodyPr>
+          <a:lstStyle/>
+          <a:p>
+            <a:pPr algn="ctr"/>
+            <a:r>
+              <a:rPr lang="en-US" altLang="ko-KR" dirty="0">
+                <a:solidFill>
+                  <a:schemeClr val="tx1"/>
+                </a:solidFill>
+              </a:rPr>
+              <a:t>Sweep</a:t>
+            </a:r>
+            <a:endParaRPr lang="ko-KR" altLang="en-US" dirty="0">
+              <a:solidFill>
+                <a:schemeClr val="tx1"/>
+              </a:solidFill>
+            </a:endParaRPr>
+          </a:p>
+        </p:txBody>
+      </p:sp>
+      <p:sp>
+        <p:nvSpPr>
+          <p:cNvPr id="22" name="TextBox 21">
+            <a:extLst>
+              <a:ext uri="{FF2B5EF4-FFF2-40B4-BE49-F238E27FC236}">
+                <a16:creationId xmlns:a16="http://schemas.microsoft.com/office/drawing/2014/main" id="{9EE8E0ED-80CD-7676-64FA-3AFD5C904D5B}"/>
+              </a:ext>
+            </a:extLst>
+          </p:cNvPr>
+          <p:cNvSpPr txBox="1"/>
+          <p:nvPr/>
+        </p:nvSpPr>
+        <p:spPr>
+          <a:xfrm>
+            <a:off x="3900056" y="4934409"/>
+            <a:ext cx="1800000" cy="307777"/>
+          </a:xfrm>
+          <a:prstGeom prst="rect">
+            <a:avLst/>
+          </a:prstGeom>
+          <a:solidFill>
+            <a:srgbClr val="C6C6C6"/>
+          </a:solidFill>
+        </p:spPr>
+        <p:txBody>
+          <a:bodyPr wrap="square">
+            <a:spAutoFit/>
+          </a:bodyPr>
+          <a:lstStyle/>
+          <a:p>
+            <a:pPr algn="ctr"/>
+            <a:r>
+              <a:rPr lang="en-US" altLang="ko-KR" dirty="0">
+                <a:solidFill>
+                  <a:schemeClr val="tx1"/>
+                </a:solidFill>
+              </a:rPr>
+              <a:t>Vacuum</a:t>
+            </a:r>
+            <a:endParaRPr lang="ko-KR" altLang="en-US" dirty="0">
+              <a:solidFill>
+                <a:schemeClr val="tx1"/>
+              </a:solidFill>
+            </a:endParaRPr>
+          </a:p>
+        </p:txBody>
+      </p:sp>
+      <p:sp>
+        <p:nvSpPr>
+          <p:cNvPr id="24" name="TextBox 23">
+            <a:extLst>
+              <a:ext uri="{FF2B5EF4-FFF2-40B4-BE49-F238E27FC236}">
+                <a16:creationId xmlns:a16="http://schemas.microsoft.com/office/drawing/2014/main" id="{6E88BBA7-23E7-9801-81BA-525C306F6801}"/>
+              </a:ext>
+            </a:extLst>
+          </p:cNvPr>
+          <p:cNvSpPr txBox="1"/>
+          <p:nvPr/>
+        </p:nvSpPr>
+        <p:spPr>
+          <a:xfrm>
+            <a:off x="3900056" y="3326203"/>
+            <a:ext cx="1800000" cy="307777"/>
+          </a:xfrm>
+          <a:prstGeom prst="rect">
+            <a:avLst/>
+          </a:prstGeom>
+          <a:solidFill>
+            <a:srgbClr val="C6C6C6"/>
+          </a:solidFill>
+        </p:spPr>
+        <p:txBody>
+          <a:bodyPr wrap="square">
+            <a:spAutoFit/>
+          </a:bodyPr>
+          <a:lstStyle/>
+          <a:p>
+            <a:pPr algn="ctr"/>
+            <a:r>
+              <a:rPr lang="en-US" altLang="ko-KR" dirty="0">
+                <a:solidFill>
+                  <a:schemeClr val="bg1">
+                    <a:lumMod val="50000"/>
+                  </a:schemeClr>
+                </a:solidFill>
+              </a:rPr>
+              <a:t>preen</a:t>
+            </a:r>
+            <a:endParaRPr lang="ko-KR" altLang="en-US" dirty="0">
+              <a:solidFill>
+                <a:schemeClr val="bg1">
+                  <a:lumMod val="50000"/>
+                </a:schemeClr>
+              </a:solidFill>
+            </a:endParaRPr>
+          </a:p>
+        </p:txBody>
+      </p:sp>
+      <p:sp>
+        <p:nvSpPr>
+          <p:cNvPr id="27" name="TextBox 26">
+            <a:extLst>
+              <a:ext uri="{FF2B5EF4-FFF2-40B4-BE49-F238E27FC236}">
+                <a16:creationId xmlns:a16="http://schemas.microsoft.com/office/drawing/2014/main" id="{5914CE8C-212E-A885-351D-865AF8A0EAB4}"/>
+              </a:ext>
+            </a:extLst>
+          </p:cNvPr>
+          <p:cNvSpPr txBox="1"/>
+          <p:nvPr/>
+        </p:nvSpPr>
+        <p:spPr>
+          <a:xfrm>
+            <a:off x="3900056" y="5336587"/>
+            <a:ext cx="1800000" cy="307777"/>
+          </a:xfrm>
+          <a:prstGeom prst="rect">
+            <a:avLst/>
+          </a:prstGeom>
+          <a:solidFill>
+            <a:srgbClr val="C6C6C6"/>
+          </a:solidFill>
+        </p:spPr>
+        <p:txBody>
+          <a:bodyPr wrap="square">
+            <a:spAutoFit/>
+          </a:bodyPr>
+          <a:lstStyle/>
+          <a:p>
+            <a:pPr algn="ctr"/>
+            <a:r>
+              <a:rPr lang="en-US" altLang="ko-KR" dirty="0">
+                <a:solidFill>
+                  <a:schemeClr val="tx1"/>
+                </a:solidFill>
+              </a:rPr>
+              <a:t>Wash</a:t>
+            </a:r>
+            <a:endParaRPr lang="ko-KR" altLang="en-US" dirty="0">
+              <a:solidFill>
+                <a:schemeClr val="tx1"/>
+              </a:solidFill>
+            </a:endParaRPr>
+          </a:p>
+        </p:txBody>
+      </p:sp>
+      <p:sp>
+        <p:nvSpPr>
+          <p:cNvPr id="28" name="왼쪽 중괄호 27">
+            <a:extLst>
+              <a:ext uri="{FF2B5EF4-FFF2-40B4-BE49-F238E27FC236}">
+                <a16:creationId xmlns:a16="http://schemas.microsoft.com/office/drawing/2014/main" id="{9B598A81-ACAC-F97B-67CD-51B6DB9432B5}"/>
+              </a:ext>
+            </a:extLst>
+          </p:cNvPr>
+          <p:cNvSpPr/>
+          <p:nvPr/>
+        </p:nvSpPr>
+        <p:spPr>
+          <a:xfrm>
+            <a:off x="3417575" y="1066799"/>
+            <a:ext cx="390589" cy="4838701"/>
+          </a:xfrm>
+          <a:prstGeom prst="leftBrace">
+            <a:avLst>
+              <a:gd name="adj1" fmla="val 83249"/>
+              <a:gd name="adj2" fmla="val 50000"/>
+            </a:avLst>
+          </a:prstGeom>
+        </p:spPr>
+        <p:style>
+          <a:lnRef idx="1">
+            <a:schemeClr val="accent1"/>
+          </a:lnRef>
+          <a:fillRef idx="0">
+            <a:schemeClr val="accent1"/>
+          </a:fillRef>
+          <a:effectRef idx="0">
+            <a:schemeClr val="accent1"/>
+          </a:effectRef>
+          <a:fontRef idx="minor">
+            <a:schemeClr val="tx1"/>
+          </a:fontRef>
+        </p:style>
+        <p:txBody>
+          <a:bodyPr rtlCol="0" anchor="ctr"/>
+          <a:lstStyle/>
+          <a:p>
+            <a:pPr algn="ctr"/>
+            <a:endParaRPr lang="ko-KR" altLang="en-US"/>
+          </a:p>
+        </p:txBody>
+      </p:sp>
+      <p:sp>
+        <p:nvSpPr>
+          <p:cNvPr id="31" name="TextBox 30">
+            <a:extLst>
+              <a:ext uri="{FF2B5EF4-FFF2-40B4-BE49-F238E27FC236}">
+                <a16:creationId xmlns:a16="http://schemas.microsoft.com/office/drawing/2014/main" id="{5D6C9AEF-0CBD-7342-C444-DA1C221DA39C}"/>
+              </a:ext>
+            </a:extLst>
+          </p:cNvPr>
+          <p:cNvSpPr txBox="1"/>
+          <p:nvPr/>
+        </p:nvSpPr>
+        <p:spPr>
+          <a:xfrm>
+            <a:off x="3900056" y="5738515"/>
+            <a:ext cx="1800000" cy="307777"/>
+          </a:xfrm>
+          <a:prstGeom prst="rect">
+            <a:avLst/>
+          </a:prstGeom>
+          <a:solidFill>
+            <a:srgbClr val="C6C6C6"/>
+          </a:solidFill>
+        </p:spPr>
+        <p:txBody>
+          <a:bodyPr wrap="square">
+            <a:spAutoFit/>
+          </a:bodyPr>
+          <a:lstStyle/>
+          <a:p>
+            <a:pPr algn="ctr"/>
+            <a:r>
+              <a:rPr lang="en-US" altLang="ko-KR" dirty="0">
+                <a:solidFill>
+                  <a:schemeClr val="bg1">
+                    <a:lumMod val="50000"/>
+                  </a:schemeClr>
+                </a:solidFill>
+              </a:rPr>
+              <a:t>Wash up</a:t>
+            </a:r>
+            <a:endParaRPr lang="ko-KR" altLang="en-US" dirty="0">
+              <a:solidFill>
+                <a:schemeClr val="bg1">
+                  <a:lumMod val="50000"/>
+                </a:schemeClr>
+              </a:solidFill>
+            </a:endParaRPr>
+          </a:p>
+        </p:txBody>
+      </p:sp>
+      <p:sp>
+        <p:nvSpPr>
+          <p:cNvPr id="32" name="TextBox 31">
+            <a:extLst>
+              <a:ext uri="{FF2B5EF4-FFF2-40B4-BE49-F238E27FC236}">
+                <a16:creationId xmlns:a16="http://schemas.microsoft.com/office/drawing/2014/main" id="{EA9E09BA-1C28-D370-282F-48DE7FB4DC57}"/>
+              </a:ext>
+            </a:extLst>
+          </p:cNvPr>
+          <p:cNvSpPr txBox="1"/>
+          <p:nvPr/>
+        </p:nvSpPr>
+        <p:spPr>
+          <a:xfrm>
+            <a:off x="444215" y="1610492"/>
+            <a:ext cx="1800000" cy="307777"/>
+          </a:xfrm>
+          <a:prstGeom prst="rect">
+            <a:avLst/>
+          </a:prstGeom>
+          <a:solidFill>
+            <a:srgbClr val="C6C6C6"/>
+          </a:solidFill>
+        </p:spPr>
+        <p:txBody>
+          <a:bodyPr wrap="square">
+            <a:spAutoFit/>
+          </a:bodyPr>
+          <a:lstStyle/>
+          <a:p>
+            <a:pPr algn="ctr"/>
+            <a:r>
+              <a:rPr lang="en-US" altLang="ko-KR" dirty="0">
+                <a:solidFill>
+                  <a:schemeClr val="tx1"/>
+                </a:solidFill>
+              </a:rPr>
+              <a:t>Wipe up</a:t>
+            </a:r>
+            <a:endParaRPr lang="ko-KR" altLang="en-US" dirty="0">
+              <a:solidFill>
+                <a:schemeClr val="tx1"/>
+              </a:solidFill>
+            </a:endParaRPr>
+          </a:p>
+        </p:txBody>
+      </p:sp>
+      <p:sp>
+        <p:nvSpPr>
+          <p:cNvPr id="33" name="TextBox 32">
+            <a:extLst>
+              <a:ext uri="{FF2B5EF4-FFF2-40B4-BE49-F238E27FC236}">
+                <a16:creationId xmlns:a16="http://schemas.microsoft.com/office/drawing/2014/main" id="{48052F6F-9613-5C74-B53A-A8FD7F712955}"/>
+              </a:ext>
+            </a:extLst>
+          </p:cNvPr>
+          <p:cNvSpPr txBox="1"/>
+          <p:nvPr/>
+        </p:nvSpPr>
+        <p:spPr>
+          <a:xfrm>
+            <a:off x="6149331" y="5543862"/>
+            <a:ext cx="1800000" cy="307777"/>
+          </a:xfrm>
+          <a:prstGeom prst="rect">
+            <a:avLst/>
+          </a:prstGeom>
+          <a:solidFill>
+            <a:srgbClr val="C6C6C6"/>
+          </a:solidFill>
+        </p:spPr>
+        <p:txBody>
+          <a:bodyPr wrap="square">
+            <a:spAutoFit/>
+          </a:bodyPr>
+          <a:lstStyle/>
+          <a:p>
+            <a:pPr algn="ctr"/>
+            <a:r>
+              <a:rPr lang="en-US" altLang="ko-KR" dirty="0">
+                <a:solidFill>
+                  <a:schemeClr val="tx1"/>
+                </a:solidFill>
+              </a:rPr>
+              <a:t>Laundering</a:t>
+            </a:r>
+            <a:endParaRPr lang="ko-KR" altLang="en-US" dirty="0">
+              <a:solidFill>
+                <a:schemeClr val="tx1"/>
+              </a:solidFill>
+            </a:endParaRPr>
+          </a:p>
+        </p:txBody>
+      </p:sp>
+      <p:sp>
+        <p:nvSpPr>
+          <p:cNvPr id="36" name="TextBox 35">
+            <a:extLst>
+              <a:ext uri="{FF2B5EF4-FFF2-40B4-BE49-F238E27FC236}">
+                <a16:creationId xmlns:a16="http://schemas.microsoft.com/office/drawing/2014/main" id="{ACBFF5B0-0407-0579-841B-08C3E34AAF0C}"/>
+              </a:ext>
+            </a:extLst>
+          </p:cNvPr>
+          <p:cNvSpPr txBox="1"/>
+          <p:nvPr/>
+        </p:nvSpPr>
+        <p:spPr>
+          <a:xfrm>
+            <a:off x="6149331" y="5134549"/>
+            <a:ext cx="1800000" cy="307777"/>
+          </a:xfrm>
+          <a:prstGeom prst="rect">
+            <a:avLst/>
+          </a:prstGeom>
+          <a:solidFill>
+            <a:srgbClr val="C6C6C6"/>
+          </a:solidFill>
+        </p:spPr>
+        <p:txBody>
+          <a:bodyPr wrap="square">
+            <a:spAutoFit/>
+          </a:bodyPr>
+          <a:lstStyle/>
+          <a:p>
+            <a:pPr algn="ctr"/>
+            <a:r>
+              <a:rPr lang="en-US" altLang="ko-KR" dirty="0">
+                <a:solidFill>
+                  <a:schemeClr val="tx1"/>
+                </a:solidFill>
+              </a:rPr>
+              <a:t>Dishwashing</a:t>
+            </a:r>
+            <a:endParaRPr lang="ko-KR" altLang="en-US" dirty="0">
+              <a:solidFill>
+                <a:schemeClr val="tx1"/>
+              </a:solidFill>
+            </a:endParaRPr>
+          </a:p>
+        </p:txBody>
+      </p:sp>
+      <p:sp>
+        <p:nvSpPr>
+          <p:cNvPr id="37" name="왼쪽 중괄호 36">
+            <a:extLst>
+              <a:ext uri="{FF2B5EF4-FFF2-40B4-BE49-F238E27FC236}">
+                <a16:creationId xmlns:a16="http://schemas.microsoft.com/office/drawing/2014/main" id="{9809FFAA-E3C3-F758-91F9-4C7AF10AACED}"/>
+              </a:ext>
+            </a:extLst>
+          </p:cNvPr>
+          <p:cNvSpPr/>
+          <p:nvPr/>
+        </p:nvSpPr>
+        <p:spPr>
+          <a:xfrm>
+            <a:off x="5716699" y="5249372"/>
+            <a:ext cx="390589" cy="548880"/>
+          </a:xfrm>
+          <a:prstGeom prst="leftBrace">
+            <a:avLst>
+              <a:gd name="adj1" fmla="val 83249"/>
+              <a:gd name="adj2" fmla="val 50000"/>
+            </a:avLst>
+          </a:prstGeom>
+        </p:spPr>
+        <p:style>
+          <a:lnRef idx="1">
+            <a:schemeClr val="accent1"/>
+          </a:lnRef>
+          <a:fillRef idx="0">
+            <a:schemeClr val="accent1"/>
+          </a:fillRef>
+          <a:effectRef idx="0">
+            <a:schemeClr val="accent1"/>
+          </a:effectRef>
+          <a:fontRef idx="minor">
+            <a:schemeClr val="tx1"/>
+          </a:fontRef>
+        </p:style>
+        <p:txBody>
+          <a:bodyPr rtlCol="0" anchor="ctr"/>
+          <a:lstStyle/>
+          <a:p>
+            <a:pPr algn="ctr"/>
+            <a:endParaRPr lang="ko-KR" altLang="en-US"/>
+          </a:p>
+        </p:txBody>
+      </p:sp>
+    </p:spTree>
+    <p:extLst>
+      <p:ext uri="{BB962C8B-B14F-4D97-AF65-F5344CB8AC3E}">
+        <p14:creationId xmlns:p14="http://schemas.microsoft.com/office/powerpoint/2010/main" val="2314203127"/>
+      </p:ext>
+    </p:extLst>
+  </p:cSld>
+  <p:clrMapOvr>
+    <a:masterClrMapping/>
+  </p:clrMapOvr>
+</p:sld>
+</file>
+
+<file path=ppt/slides/slide11.xml><?xml version="1.0" encoding="utf-8"?>
+<p:sld xmlns:a="http://schemas.openxmlformats.org/drawingml/2006/main" xmlns:r="http://schemas.openxmlformats.org/officeDocument/2006/relationships" xmlns:p="http://schemas.openxmlformats.org/presentationml/2006/main">
+  <p:cSld>
+    <p:spTree>
+      <p:nvGrpSpPr>
+        <p:cNvPr id="1" name=""/>
+        <p:cNvGrpSpPr/>
+        <p:nvPr/>
+      </p:nvGrpSpPr>
+      <p:grpSpPr>
+        <a:xfrm>
+          <a:off x="0" y="0"/>
+          <a:ext cx="0" cy="0"/>
+          <a:chOff x="0" y="0"/>
+          <a:chExt cx="0" cy="0"/>
+        </a:xfrm>
+      </p:grpSpPr>
+      <p:sp>
+        <p:nvSpPr>
           <p:cNvPr id="2" name="제목 1">
             <a:extLst>
               <a:ext uri="{FF2B5EF4-FFF2-40B4-BE49-F238E27FC236}">
@@ -9621,7 +10802,7 @@
           <a:p>
             <a:fld id="{6119976F-97E5-4BA8-AAFA-8C9902002F8B}" type="slidenum">
               <a:rPr lang="ko-KR" altLang="en-US" smtClean="0"/>
-              <a:t>10</a:t>
+              <a:t>11</a:t>
             </a:fld>
             <a:endParaRPr lang="ko-KR" altLang="en-US"/>
           </a:p>
@@ -9640,7 +10821,7 @@
 </p:sld>
 </file>
 
-<file path=ppt/slides/slide11.xml><?xml version="1.0" encoding="utf-8"?>
+<file path=ppt/slides/slide12.xml><?xml version="1.0" encoding="utf-8"?>
 <p:sld xmlns:a="http://schemas.openxmlformats.org/drawingml/2006/main" xmlns:r="http://schemas.openxmlformats.org/officeDocument/2006/relationships" xmlns:p="http://schemas.openxmlformats.org/presentationml/2006/main">
   <p:cSld>
     <p:spTree>
@@ -10062,7 +11243,7 @@
 </p:sld>
 </file>
 
-<file path=ppt/slides/slide12.xml><?xml version="1.0" encoding="utf-8"?>
+<file path=ppt/slides/slide13.xml><?xml version="1.0" encoding="utf-8"?>
 <p:sld xmlns:a="http://schemas.openxmlformats.org/drawingml/2006/main" xmlns:r="http://schemas.openxmlformats.org/officeDocument/2006/relationships" xmlns:p="http://schemas.openxmlformats.org/presentationml/2006/main">
   <p:cSld>
     <p:spTree>
@@ -16993,7 +18174,7 @@
 </p:sld>
 </file>
 
-<file path=ppt/slides/slide13.xml><?xml version="1.0" encoding="utf-8"?>
+<file path=ppt/slides/slide14.xml><?xml version="1.0" encoding="utf-8"?>
 <p:sld xmlns:a="http://schemas.openxmlformats.org/drawingml/2006/main" xmlns:r="http://schemas.openxmlformats.org/officeDocument/2006/relationships" xmlns:p="http://schemas.openxmlformats.org/presentationml/2006/main">
   <p:cSld>
     <p:spTree>
@@ -17116,7 +18297,7 @@
           <a:p>
             <a:fld id="{6119976F-97E5-4BA8-AAFA-8C9902002F8B}" type="slidenum">
               <a:rPr lang="ko-KR" altLang="en-US" smtClean="0"/>
-              <a:t>13</a:t>
+              <a:t>14</a:t>
             </a:fld>
             <a:endParaRPr lang="ko-KR" altLang="en-US"/>
           </a:p>
@@ -18621,6 +19802,25 @@
             <a:r>
               <a:rPr lang="en-US" altLang="ko-KR" dirty="0"/>
               <a:t>Recognize as 1 Object</a:t>
+            </a:r>
+          </a:p>
+          <a:p>
+            <a:pPr>
+              <a:lnSpc>
+                <a:spcPct val="100000"/>
+              </a:lnSpc>
+            </a:pPr>
+            <a:endParaRPr lang="en-US" altLang="ko-KR" dirty="0"/>
+          </a:p>
+          <a:p>
+            <a:pPr>
+              <a:lnSpc>
+                <a:spcPct val="100000"/>
+              </a:lnSpc>
+            </a:pPr>
+            <a:r>
+              <a:rPr lang="en-US" altLang="ko-KR" dirty="0"/>
+              <a:t>Subtask</a:t>
             </a:r>
           </a:p>
         </p:txBody>
